--- a/profile.pptx
+++ b/profile.pptx
@@ -5,29 +5,38 @@
     <p:sldMasterId id="2147483660" r:id="rId1"/>
   </p:sldMasterIdLst>
   <p:notesMasterIdLst>
-    <p:notesMasterId r:id="rId7"/>
+    <p:notesMasterId r:id="rId16"/>
   </p:notesMasterIdLst>
   <p:handoutMasterIdLst>
-    <p:handoutMasterId r:id="rId8"/>
+    <p:handoutMasterId r:id="rId17"/>
   </p:handoutMasterIdLst>
   <p:sldIdLst>
     <p:sldId id="256" r:id="rId2"/>
     <p:sldId id="257" r:id="rId3"/>
     <p:sldId id="258" r:id="rId4"/>
     <p:sldId id="259" r:id="rId5"/>
-    <p:sldId id="260" r:id="rId6"/>
+    <p:sldId id="261" r:id="rId6"/>
+    <p:sldId id="260" r:id="rId7"/>
+    <p:sldId id="267" r:id="rId8"/>
+    <p:sldId id="269" r:id="rId9"/>
+    <p:sldId id="268" r:id="rId10"/>
+    <p:sldId id="263" r:id="rId11"/>
+    <p:sldId id="265" r:id="rId12"/>
+    <p:sldId id="264" r:id="rId13"/>
+    <p:sldId id="266" r:id="rId14"/>
+    <p:sldId id="262" r:id="rId15"/>
   </p:sldIdLst>
   <p:sldSz cx="9144000" cy="6858000" type="screen4x3"/>
   <p:notesSz cx="9926638" cy="6797675"/>
   <p:embeddedFontLst>
     <p:embeddedFont>
-      <p:font typeface="游ゴシック Medium" panose="020B0500000000000000" pitchFamily="50" charset="-128"/>
-      <p:regular r:id="rId9"/>
+      <p:font typeface="游ゴシック" panose="020B0400000000000000" pitchFamily="50" charset="-128"/>
+      <p:regular r:id="rId18"/>
+      <p:bold r:id="rId19"/>
     </p:embeddedFont>
     <p:embeddedFont>
-      <p:font typeface="游ゴシック" panose="020B0400000000000000" pitchFamily="50" charset="-128"/>
-      <p:regular r:id="rId10"/>
-      <p:bold r:id="rId11"/>
+      <p:font typeface="游ゴシック Medium" panose="020B0500000000000000" pitchFamily="50" charset="-128"/>
+      <p:regular r:id="rId20"/>
     </p:embeddedFont>
   </p:embeddedFontLst>
   <p:defaultTextStyle>
@@ -233,7 +242,7 @@
           <a:p>
             <a:fld id="{33D650D1-50D1-40DA-ACD5-42406DA55A67}" type="datetimeFigureOut">
               <a:rPr kumimoji="1" lang="ja-JP" altLang="en-US" smtClean="0"/>
-              <a:t>2017/12/27</a:t>
+              <a:t>2017/12/28</a:t>
             </a:fld>
             <a:endParaRPr kumimoji="1" lang="ja-JP" altLang="en-US"/>
           </a:p>
@@ -398,7 +407,7 @@
           <a:p>
             <a:fld id="{B6E14CE6-77F0-4FBD-B5F8-607C49174052}" type="datetimeFigureOut">
               <a:rPr kumimoji="1" lang="ja-JP" altLang="en-US" smtClean="0"/>
-              <a:t>2017/12/27</a:t>
+              <a:t>2017/12/28</a:t>
             </a:fld>
             <a:endParaRPr kumimoji="1" lang="ja-JP" altLang="en-US"/>
           </a:p>
@@ -697,6 +706,90 @@
 </p:notesMaster>
 </file>
 
+<file path=ppt/notesSlides/notesSlide1.xml><?xml version="1.0" encoding="utf-8"?>
+<p:notes xmlns:a="http://schemas.openxmlformats.org/drawingml/2006/main" xmlns:r="http://schemas.openxmlformats.org/officeDocument/2006/relationships" xmlns:p="http://schemas.openxmlformats.org/presentationml/2006/main">
+  <p:cSld>
+    <p:spTree>
+      <p:nvGrpSpPr>
+        <p:cNvPr id="1" name=""/>
+        <p:cNvGrpSpPr/>
+        <p:nvPr/>
+      </p:nvGrpSpPr>
+      <p:grpSpPr>
+        <a:xfrm>
+          <a:off x="0" y="0"/>
+          <a:ext cx="0" cy="0"/>
+          <a:chOff x="0" y="0"/>
+          <a:chExt cx="0" cy="0"/>
+        </a:xfrm>
+      </p:grpSpPr>
+      <p:sp>
+        <p:nvSpPr>
+          <p:cNvPr id="2" name="スライド イメージ プレースホルダー 1"/>
+          <p:cNvSpPr>
+            <a:spLocks noGrp="1" noRot="1" noChangeAspect="1"/>
+          </p:cNvSpPr>
+          <p:nvPr>
+            <p:ph type="sldImg"/>
+          </p:nvPr>
+        </p:nvSpPr>
+        <p:spPr/>
+      </p:sp>
+      <p:sp>
+        <p:nvSpPr>
+          <p:cNvPr id="3" name="ノート プレースホルダー 2"/>
+          <p:cNvSpPr>
+            <a:spLocks noGrp="1"/>
+          </p:cNvSpPr>
+          <p:nvPr>
+            <p:ph type="body" idx="1"/>
+          </p:nvPr>
+        </p:nvSpPr>
+        <p:spPr/>
+        <p:txBody>
+          <a:bodyPr/>
+          <a:lstStyle/>
+          <a:p>
+            <a:endParaRPr kumimoji="1" lang="ja-JP" altLang="en-US" dirty="0"/>
+          </a:p>
+        </p:txBody>
+      </p:sp>
+      <p:sp>
+        <p:nvSpPr>
+          <p:cNvPr id="4" name="スライド番号プレースホルダー 3"/>
+          <p:cNvSpPr>
+            <a:spLocks noGrp="1"/>
+          </p:cNvSpPr>
+          <p:nvPr>
+            <p:ph type="sldNum" sz="quarter" idx="10"/>
+          </p:nvPr>
+        </p:nvSpPr>
+        <p:spPr/>
+        <p:txBody>
+          <a:bodyPr/>
+          <a:lstStyle/>
+          <a:p>
+            <a:fld id="{10D4969B-EAFD-438F-BE72-BDA4F4BDEA20}" type="slidenum">
+              <a:rPr kumimoji="1" lang="ja-JP" altLang="en-US" smtClean="0"/>
+              <a:t>4</a:t>
+            </a:fld>
+            <a:endParaRPr kumimoji="1" lang="ja-JP" altLang="en-US"/>
+          </a:p>
+        </p:txBody>
+      </p:sp>
+    </p:spTree>
+    <p:extLst>
+      <p:ext uri="{BB962C8B-B14F-4D97-AF65-F5344CB8AC3E}">
+        <p14:creationId xmlns:p14="http://schemas.microsoft.com/office/powerpoint/2010/main" val="3508220805"/>
+      </p:ext>
+    </p:extLst>
+  </p:cSld>
+  <p:clrMapOvr>
+    <a:masterClrMapping/>
+  </p:clrMapOvr>
+</p:notes>
+</file>
+
 <file path=ppt/slideLayouts/slideLayout1.xml><?xml version="1.0" encoding="utf-8"?>
 <p:sldLayout xmlns:a="http://schemas.openxmlformats.org/drawingml/2006/main" xmlns:r="http://schemas.openxmlformats.org/officeDocument/2006/relationships" xmlns:p="http://schemas.openxmlformats.org/presentationml/2006/main" type="title" preserve="1">
   <p:cSld name="タイトル スライド">
@@ -851,7 +944,7 @@
           <a:p>
             <a:fld id="{D63EB424-95F1-4400-99EF-084A84C1DBBC}" type="datetimeFigureOut">
               <a:rPr kumimoji="1" lang="ja-JP" altLang="en-US" smtClean="0"/>
-              <a:t>2017/12/27</a:t>
+              <a:t>2017/12/28</a:t>
             </a:fld>
             <a:endParaRPr kumimoji="1" lang="ja-JP" altLang="en-US"/>
           </a:p>
@@ -909,13 +1002,6 @@
   <p:clrMapOvr>
     <a:masterClrMapping/>
   </p:clrMapOvr>
-  <p:timing>
-    <p:tnLst>
-      <p:par>
-        <p:cTn id="1" dur="indefinite" restart="never" nodeType="tmRoot"/>
-      </p:par>
-    </p:tnLst>
-  </p:timing>
 </p:sldLayout>
 </file>
 
@@ -1060,7 +1146,7 @@
           <a:p>
             <a:fld id="{D63EB424-95F1-4400-99EF-084A84C1DBBC}" type="datetimeFigureOut">
               <a:rPr kumimoji="1" lang="ja-JP" altLang="en-US" smtClean="0"/>
-              <a:t>2017/12/27</a:t>
+              <a:t>2017/12/28</a:t>
             </a:fld>
             <a:endParaRPr kumimoji="1" lang="ja-JP" altLang="en-US"/>
           </a:p>
@@ -1272,7 +1358,7 @@
           <a:p>
             <a:fld id="{D63EB424-95F1-4400-99EF-084A84C1DBBC}" type="datetimeFigureOut">
               <a:rPr kumimoji="1" lang="ja-JP" altLang="en-US" smtClean="0"/>
-              <a:t>2017/12/27</a:t>
+              <a:t>2017/12/28</a:t>
             </a:fld>
             <a:endParaRPr kumimoji="1" lang="ja-JP" altLang="en-US"/>
           </a:p>
@@ -1559,7 +1645,7 @@
           <a:p>
             <a:fld id="{D63EB424-95F1-4400-99EF-084A84C1DBBC}" type="datetimeFigureOut">
               <a:rPr kumimoji="1" lang="ja-JP" altLang="en-US" smtClean="0"/>
-              <a:t>2017/12/27</a:t>
+              <a:t>2017/12/28</a:t>
             </a:fld>
             <a:endParaRPr kumimoji="1" lang="ja-JP" altLang="en-US" dirty="0"/>
           </a:p>
@@ -1881,13 +1967,6 @@
   <p:clrMapOvr>
     <a:masterClrMapping/>
   </p:clrMapOvr>
-  <p:timing>
-    <p:tnLst>
-      <p:par>
-        <p:cTn id="1" dur="indefinite" restart="never" nodeType="tmRoot"/>
-      </p:par>
-    </p:tnLst>
-  </p:timing>
 </p:sldLayout>
 </file>
 
@@ -2074,7 +2153,7 @@
           <a:p>
             <a:fld id="{D63EB424-95F1-4400-99EF-084A84C1DBBC}" type="datetimeFigureOut">
               <a:rPr kumimoji="1" lang="ja-JP" altLang="en-US" smtClean="0"/>
-              <a:t>2017/12/27</a:t>
+              <a:t>2017/12/28</a:t>
             </a:fld>
             <a:endParaRPr kumimoji="1" lang="ja-JP" altLang="en-US"/>
           </a:p>
@@ -2354,13 +2433,6 @@
   <p:clrMapOvr>
     <a:masterClrMapping/>
   </p:clrMapOvr>
-  <p:timing>
-    <p:tnLst>
-      <p:par>
-        <p:cTn id="1" dur="indefinite" restart="never" nodeType="tmRoot"/>
-      </p:par>
-    </p:tnLst>
-  </p:timing>
 </p:sldLayout>
 </file>
 
@@ -2599,7 +2671,7 @@
           <a:p>
             <a:fld id="{D63EB424-95F1-4400-99EF-084A84C1DBBC}" type="datetimeFigureOut">
               <a:rPr kumimoji="1" lang="ja-JP" altLang="en-US" smtClean="0"/>
-              <a:t>2017/12/27</a:t>
+              <a:t>2017/12/28</a:t>
             </a:fld>
             <a:endParaRPr kumimoji="1" lang="ja-JP" altLang="en-US"/>
           </a:p>
@@ -3030,7 +3102,7 @@
           <a:p>
             <a:fld id="{D63EB424-95F1-4400-99EF-084A84C1DBBC}" type="datetimeFigureOut">
               <a:rPr kumimoji="1" lang="ja-JP" altLang="en-US" smtClean="0"/>
-              <a:t>2017/12/27</a:t>
+              <a:t>2017/12/28</a:t>
             </a:fld>
             <a:endParaRPr kumimoji="1" lang="ja-JP" altLang="en-US"/>
           </a:p>
@@ -3169,7 +3241,7 @@
           <a:p>
             <a:fld id="{D63EB424-95F1-4400-99EF-084A84C1DBBC}" type="datetimeFigureOut">
               <a:rPr kumimoji="1" lang="ja-JP" altLang="en-US" smtClean="0"/>
-              <a:t>2017/12/27</a:t>
+              <a:t>2017/12/28</a:t>
             </a:fld>
             <a:endParaRPr kumimoji="1" lang="ja-JP" altLang="en-US"/>
           </a:p>
@@ -3264,7 +3336,7 @@
           <a:p>
             <a:fld id="{D63EB424-95F1-4400-99EF-084A84C1DBBC}" type="datetimeFigureOut">
               <a:rPr kumimoji="1" lang="ja-JP" altLang="en-US" smtClean="0"/>
-              <a:t>2017/12/27</a:t>
+              <a:t>2017/12/28</a:t>
             </a:fld>
             <a:endParaRPr kumimoji="1" lang="ja-JP" altLang="en-US"/>
           </a:p>
@@ -3573,7 +3645,7 @@
           <a:p>
             <a:fld id="{D63EB424-95F1-4400-99EF-084A84C1DBBC}" type="datetimeFigureOut">
               <a:rPr kumimoji="1" lang="ja-JP" altLang="en-US" smtClean="0"/>
-              <a:t>2017/12/27</a:t>
+              <a:t>2017/12/28</a:t>
             </a:fld>
             <a:endParaRPr kumimoji="1" lang="ja-JP" altLang="en-US"/>
           </a:p>
@@ -3830,7 +3902,7 @@
           <a:p>
             <a:fld id="{D63EB424-95F1-4400-99EF-084A84C1DBBC}" type="datetimeFigureOut">
               <a:rPr kumimoji="1" lang="ja-JP" altLang="en-US" smtClean="0"/>
-              <a:t>2017/12/27</a:t>
+              <a:t>2017/12/28</a:t>
             </a:fld>
             <a:endParaRPr kumimoji="1" lang="ja-JP" altLang="en-US"/>
           </a:p>
@@ -4077,7 +4149,7 @@
             <a:fld id="{D63EB424-95F1-4400-99EF-084A84C1DBBC}" type="datetimeFigureOut">
               <a:rPr lang="ja-JP" altLang="en-US" smtClean="0"/>
               <a:pPr/>
-              <a:t>2017/12/27</a:t>
+              <a:t>2017/12/28</a:t>
             </a:fld>
             <a:endParaRPr lang="ja-JP" altLang="en-US"/>
           </a:p>
@@ -4182,13 +4254,6 @@
     <p:sldLayoutId id="2147483670" r:id="rId10"/>
     <p:sldLayoutId id="2147483671" r:id="rId11"/>
   </p:sldLayoutIdLst>
-  <p:timing>
-    <p:tnLst>
-      <p:par>
-        <p:cTn id="1" dur="indefinite" restart="never" nodeType="tmRoot"/>
-      </p:par>
-    </p:tnLst>
-  </p:timing>
   <p:txStyles>
     <p:titleStyle>
       <a:lvl1pPr algn="l" defTabSz="914400" rtl="0" eaLnBrk="1" latinLnBrk="0" hangingPunct="1">
@@ -4523,12 +4588,8 @@
           <a:lstStyle/>
           <a:p>
             <a:r>
-              <a:rPr lang="ja-JP" altLang="en-US" dirty="0" smtClean="0"/>
-              <a:t>自己</a:t>
-            </a:r>
-            <a:r>
               <a:rPr lang="ja-JP" altLang="en-US" dirty="0"/>
-              <a:t>紹介</a:t>
+              <a:t>自己紹介</a:t>
             </a:r>
             <a:endParaRPr kumimoji="1" lang="ja-JP" altLang="en-US" dirty="0"/>
           </a:p>
@@ -4550,14 +4611,14 @@
           <a:lstStyle/>
           <a:p>
             <a:r>
-              <a:rPr kumimoji="1" lang="ja-JP" altLang="en-US" dirty="0" smtClean="0"/>
+              <a:rPr kumimoji="1" lang="ja-JP" altLang="en-US" dirty="0"/>
               <a:t>和歌山大学大学院</a:t>
             </a:r>
-            <a:endParaRPr kumimoji="1" lang="en-US" altLang="ja-JP" dirty="0" smtClean="0"/>
-          </a:p>
-          <a:p>
-            <a:r>
-              <a:rPr lang="ja-JP" altLang="en-US" dirty="0" smtClean="0"/>
+            <a:endParaRPr kumimoji="1" lang="en-US" altLang="ja-JP" dirty="0"/>
+          </a:p>
+          <a:p>
+            <a:r>
+              <a:rPr lang="ja-JP" altLang="en-US" dirty="0"/>
               <a:t>長田 直也</a:t>
             </a:r>
             <a:endParaRPr kumimoji="1" lang="ja-JP" altLang="en-US" dirty="0"/>
@@ -4568,6 +4629,530 @@
     <p:extLst>
       <p:ext uri="{BB962C8B-B14F-4D97-AF65-F5344CB8AC3E}">
         <p14:creationId xmlns:p14="http://schemas.microsoft.com/office/powerpoint/2010/main" val="4158205426"/>
+      </p:ext>
+    </p:extLst>
+  </p:cSld>
+  <p:clrMapOvr>
+    <a:masterClrMapping/>
+  </p:clrMapOvr>
+</p:sld>
+</file>
+
+<file path=ppt/slides/slide10.xml><?xml version="1.0" encoding="utf-8"?>
+<p:sld xmlns:a="http://schemas.openxmlformats.org/drawingml/2006/main" xmlns:r="http://schemas.openxmlformats.org/officeDocument/2006/relationships" xmlns:p="http://schemas.openxmlformats.org/presentationml/2006/main">
+  <p:cSld>
+    <p:spTree>
+      <p:nvGrpSpPr>
+        <p:cNvPr id="1" name=""/>
+        <p:cNvGrpSpPr/>
+        <p:nvPr/>
+      </p:nvGrpSpPr>
+      <p:grpSpPr>
+        <a:xfrm>
+          <a:off x="0" y="0"/>
+          <a:ext cx="0" cy="0"/>
+          <a:chOff x="0" y="0"/>
+          <a:chExt cx="0" cy="0"/>
+        </a:xfrm>
+      </p:grpSpPr>
+      <p:sp>
+        <p:nvSpPr>
+          <p:cNvPr id="2" name="タイトル 1">
+            <a:extLst>
+              <a:ext uri="{FF2B5EF4-FFF2-40B4-BE49-F238E27FC236}">
+                <a16:creationId xmlns:a16="http://schemas.microsoft.com/office/drawing/2014/main" id="{EBFF64F6-9E29-4B1D-9811-FFD0C74583BD}"/>
+              </a:ext>
+            </a:extLst>
+          </p:cNvPr>
+          <p:cNvSpPr>
+            <a:spLocks noGrp="1"/>
+          </p:cNvSpPr>
+          <p:nvPr>
+            <p:ph type="title"/>
+          </p:nvPr>
+        </p:nvSpPr>
+        <p:spPr/>
+        <p:txBody>
+          <a:bodyPr/>
+          <a:lstStyle/>
+          <a:p>
+            <a:r>
+              <a:rPr kumimoji="1" lang="ja-JP" altLang="en-US" dirty="0"/>
+              <a:t>デザイン</a:t>
+            </a:r>
+          </a:p>
+        </p:txBody>
+      </p:sp>
+      <p:sp>
+        <p:nvSpPr>
+          <p:cNvPr id="3" name="コンテンツ プレースホルダー 2">
+            <a:extLst>
+              <a:ext uri="{FF2B5EF4-FFF2-40B4-BE49-F238E27FC236}">
+                <a16:creationId xmlns:a16="http://schemas.microsoft.com/office/drawing/2014/main" id="{FC968CE3-E531-46C4-BCBA-3A325416E9C7}"/>
+              </a:ext>
+            </a:extLst>
+          </p:cNvPr>
+          <p:cNvSpPr>
+            <a:spLocks noGrp="1"/>
+          </p:cNvSpPr>
+          <p:nvPr>
+            <p:ph idx="1"/>
+          </p:nvPr>
+        </p:nvSpPr>
+        <p:spPr/>
+        <p:txBody>
+          <a:bodyPr/>
+          <a:lstStyle/>
+          <a:p>
+            <a:r>
+              <a:rPr lang="ja-JP" altLang="en-US" dirty="0"/>
+              <a:t>見た目をよくすることだけがデザインではない</a:t>
+            </a:r>
+            <a:endParaRPr lang="en-US" altLang="ja-JP" dirty="0"/>
+          </a:p>
+          <a:p>
+            <a:r>
+              <a:rPr kumimoji="1" lang="ja-JP" altLang="en-US" dirty="0"/>
+              <a:t>デザインとは設計である</a:t>
+            </a:r>
+            <a:endParaRPr kumimoji="1" lang="en-US" altLang="ja-JP" dirty="0"/>
+          </a:p>
+          <a:p>
+            <a:r>
+              <a:rPr kumimoji="1" lang="ja-JP" altLang="en-US" dirty="0"/>
+              <a:t>使いやすさ・わかりやすさ</a:t>
+            </a:r>
+            <a:r>
+              <a:rPr lang="ja-JP" altLang="en-US" dirty="0"/>
+              <a:t>を考える，より効率的なものを考える</a:t>
+            </a:r>
+            <a:endParaRPr lang="en-US" altLang="ja-JP" dirty="0"/>
+          </a:p>
+          <a:p>
+            <a:endParaRPr kumimoji="1" lang="en-US" altLang="ja-JP" dirty="0"/>
+          </a:p>
+          <a:p>
+            <a:r>
+              <a:rPr lang="ja-JP" altLang="en-US" dirty="0"/>
+              <a:t>すべて含めてデザイン</a:t>
+            </a:r>
+            <a:endParaRPr kumimoji="1" lang="ja-JP" altLang="en-US" dirty="0"/>
+          </a:p>
+        </p:txBody>
+      </p:sp>
+    </p:spTree>
+    <p:extLst>
+      <p:ext uri="{BB962C8B-B14F-4D97-AF65-F5344CB8AC3E}">
+        <p14:creationId xmlns:p14="http://schemas.microsoft.com/office/powerpoint/2010/main" val="2757405185"/>
+      </p:ext>
+    </p:extLst>
+  </p:cSld>
+  <p:clrMapOvr>
+    <a:masterClrMapping/>
+  </p:clrMapOvr>
+</p:sld>
+</file>
+
+<file path=ppt/slides/slide11.xml><?xml version="1.0" encoding="utf-8"?>
+<p:sld xmlns:a="http://schemas.openxmlformats.org/drawingml/2006/main" xmlns:r="http://schemas.openxmlformats.org/officeDocument/2006/relationships" xmlns:p="http://schemas.openxmlformats.org/presentationml/2006/main">
+  <p:cSld>
+    <p:spTree>
+      <p:nvGrpSpPr>
+        <p:cNvPr id="1" name=""/>
+        <p:cNvGrpSpPr/>
+        <p:nvPr/>
+      </p:nvGrpSpPr>
+      <p:grpSpPr>
+        <a:xfrm>
+          <a:off x="0" y="0"/>
+          <a:ext cx="0" cy="0"/>
+          <a:chOff x="0" y="0"/>
+          <a:chExt cx="0" cy="0"/>
+        </a:xfrm>
+      </p:grpSpPr>
+      <p:sp>
+        <p:nvSpPr>
+          <p:cNvPr id="2" name="タイトル 1">
+            <a:extLst>
+              <a:ext uri="{FF2B5EF4-FFF2-40B4-BE49-F238E27FC236}">
+                <a16:creationId xmlns:a16="http://schemas.microsoft.com/office/drawing/2014/main" id="{34671D27-DAD2-4252-A915-DBC229631234}"/>
+              </a:ext>
+            </a:extLst>
+          </p:cNvPr>
+          <p:cNvSpPr>
+            <a:spLocks noGrp="1"/>
+          </p:cNvSpPr>
+          <p:nvPr>
+            <p:ph type="title"/>
+          </p:nvPr>
+        </p:nvSpPr>
+        <p:spPr/>
+        <p:txBody>
+          <a:bodyPr/>
+          <a:lstStyle/>
+          <a:p>
+            <a:r>
+              <a:rPr kumimoji="1" lang="ja-JP" altLang="en-US" dirty="0"/>
+              <a:t>大学で培ったもの</a:t>
+            </a:r>
+          </a:p>
+        </p:txBody>
+      </p:sp>
+      <p:sp>
+        <p:nvSpPr>
+          <p:cNvPr id="3" name="コンテンツ プレースホルダー 2">
+            <a:extLst>
+              <a:ext uri="{FF2B5EF4-FFF2-40B4-BE49-F238E27FC236}">
+                <a16:creationId xmlns:a16="http://schemas.microsoft.com/office/drawing/2014/main" id="{BBB4B904-FBBC-47B3-8F5E-5F830758B20A}"/>
+              </a:ext>
+            </a:extLst>
+          </p:cNvPr>
+          <p:cNvSpPr>
+            <a:spLocks noGrp="1"/>
+          </p:cNvSpPr>
+          <p:nvPr>
+            <p:ph idx="1"/>
+          </p:nvPr>
+        </p:nvSpPr>
+        <p:spPr/>
+        <p:txBody>
+          <a:bodyPr/>
+          <a:lstStyle/>
+          <a:p>
+            <a:r>
+              <a:rPr kumimoji="1" lang="ja-JP" altLang="en-US" dirty="0"/>
+              <a:t>企画力</a:t>
+            </a:r>
+            <a:endParaRPr kumimoji="1" lang="en-US" altLang="ja-JP" dirty="0"/>
+          </a:p>
+          <a:p>
+            <a:r>
+              <a:rPr lang="ja-JP" altLang="en-US" dirty="0"/>
+              <a:t>発想法</a:t>
+            </a:r>
+            <a:endParaRPr lang="en-US" altLang="ja-JP" dirty="0"/>
+          </a:p>
+          <a:p>
+            <a:r>
+              <a:rPr kumimoji="1" lang="ja-JP" altLang="en-US" dirty="0"/>
+              <a:t>情報技術</a:t>
+            </a:r>
+            <a:endParaRPr kumimoji="1" lang="en-US" altLang="ja-JP" dirty="0"/>
+          </a:p>
+          <a:p>
+            <a:r>
+              <a:rPr lang="ja-JP" altLang="en-US" dirty="0"/>
+              <a:t>デザイン</a:t>
+            </a:r>
+            <a:endParaRPr kumimoji="1" lang="ja-JP" altLang="en-US" dirty="0"/>
+          </a:p>
+        </p:txBody>
+      </p:sp>
+    </p:spTree>
+    <p:extLst>
+      <p:ext uri="{BB962C8B-B14F-4D97-AF65-F5344CB8AC3E}">
+        <p14:creationId xmlns:p14="http://schemas.microsoft.com/office/powerpoint/2010/main" val="1653983868"/>
+      </p:ext>
+    </p:extLst>
+  </p:cSld>
+  <p:clrMapOvr>
+    <a:masterClrMapping/>
+  </p:clrMapOvr>
+</p:sld>
+</file>
+
+<file path=ppt/slides/slide12.xml><?xml version="1.0" encoding="utf-8"?>
+<p:sld xmlns:a="http://schemas.openxmlformats.org/drawingml/2006/main" xmlns:r="http://schemas.openxmlformats.org/officeDocument/2006/relationships" xmlns:p="http://schemas.openxmlformats.org/presentationml/2006/main">
+  <p:cSld>
+    <p:spTree>
+      <p:nvGrpSpPr>
+        <p:cNvPr id="1" name=""/>
+        <p:cNvGrpSpPr/>
+        <p:nvPr/>
+      </p:nvGrpSpPr>
+      <p:grpSpPr>
+        <a:xfrm>
+          <a:off x="0" y="0"/>
+          <a:ext cx="0" cy="0"/>
+          <a:chOff x="0" y="0"/>
+          <a:chExt cx="0" cy="0"/>
+        </a:xfrm>
+      </p:grpSpPr>
+      <p:sp>
+        <p:nvSpPr>
+          <p:cNvPr id="2" name="タイトル 1">
+            <a:extLst>
+              <a:ext uri="{FF2B5EF4-FFF2-40B4-BE49-F238E27FC236}">
+                <a16:creationId xmlns:a16="http://schemas.microsoft.com/office/drawing/2014/main" id="{A44E55CE-47D7-4B93-958C-F2EACB004D50}"/>
+              </a:ext>
+            </a:extLst>
+          </p:cNvPr>
+          <p:cNvSpPr>
+            <a:spLocks noGrp="1"/>
+          </p:cNvSpPr>
+          <p:nvPr>
+            <p:ph type="title"/>
+          </p:nvPr>
+        </p:nvSpPr>
+        <p:spPr/>
+        <p:txBody>
+          <a:bodyPr/>
+          <a:lstStyle/>
+          <a:p>
+            <a:r>
+              <a:rPr lang="ja-JP" altLang="en-US" dirty="0"/>
+              <a:t>開発言語</a:t>
+            </a:r>
+            <a:endParaRPr kumimoji="1" lang="ja-JP" altLang="en-US" dirty="0"/>
+          </a:p>
+        </p:txBody>
+      </p:sp>
+      <p:sp>
+        <p:nvSpPr>
+          <p:cNvPr id="3" name="コンテンツ プレースホルダー 2">
+            <a:extLst>
+              <a:ext uri="{FF2B5EF4-FFF2-40B4-BE49-F238E27FC236}">
+                <a16:creationId xmlns:a16="http://schemas.microsoft.com/office/drawing/2014/main" id="{B107CADA-2E19-43AD-97D3-502FE07F5205}"/>
+              </a:ext>
+            </a:extLst>
+          </p:cNvPr>
+          <p:cNvSpPr>
+            <a:spLocks noGrp="1"/>
+          </p:cNvSpPr>
+          <p:nvPr>
+            <p:ph idx="1"/>
+          </p:nvPr>
+        </p:nvSpPr>
+        <p:spPr/>
+        <p:txBody>
+          <a:bodyPr/>
+          <a:lstStyle/>
+          <a:p>
+            <a:r>
+              <a:rPr lang="en-US" altLang="ja-JP" dirty="0"/>
+              <a:t>HTML/CSS</a:t>
+            </a:r>
+          </a:p>
+          <a:p>
+            <a:r>
+              <a:rPr lang="en-US" altLang="ja-JP" dirty="0"/>
+              <a:t>JavaScript</a:t>
+            </a:r>
+          </a:p>
+          <a:p>
+            <a:r>
+              <a:rPr lang="en-US" altLang="ja-JP" dirty="0"/>
+              <a:t>PHP</a:t>
+            </a:r>
+          </a:p>
+          <a:p>
+            <a:r>
+              <a:rPr lang="en-US" altLang="ja-JP" dirty="0"/>
+              <a:t>C</a:t>
+            </a:r>
+            <a:r>
+              <a:rPr lang="ja-JP" altLang="en-US" dirty="0"/>
+              <a:t>言語</a:t>
+            </a:r>
+            <a:endParaRPr lang="en-US" altLang="ja-JP" dirty="0"/>
+          </a:p>
+          <a:p>
+            <a:r>
+              <a:rPr lang="en-US" altLang="ja-JP" dirty="0"/>
+              <a:t>Java</a:t>
+            </a:r>
+          </a:p>
+        </p:txBody>
+      </p:sp>
+    </p:spTree>
+    <p:extLst>
+      <p:ext uri="{BB962C8B-B14F-4D97-AF65-F5344CB8AC3E}">
+        <p14:creationId xmlns:p14="http://schemas.microsoft.com/office/powerpoint/2010/main" val="4225885885"/>
+      </p:ext>
+    </p:extLst>
+  </p:cSld>
+  <p:clrMapOvr>
+    <a:masterClrMapping/>
+  </p:clrMapOvr>
+</p:sld>
+</file>
+
+<file path=ppt/slides/slide13.xml><?xml version="1.0" encoding="utf-8"?>
+<p:sld xmlns:a="http://schemas.openxmlformats.org/drawingml/2006/main" xmlns:r="http://schemas.openxmlformats.org/officeDocument/2006/relationships" xmlns:p="http://schemas.openxmlformats.org/presentationml/2006/main">
+  <p:cSld>
+    <p:spTree>
+      <p:nvGrpSpPr>
+        <p:cNvPr id="1" name=""/>
+        <p:cNvGrpSpPr/>
+        <p:nvPr/>
+      </p:nvGrpSpPr>
+      <p:grpSpPr>
+        <a:xfrm>
+          <a:off x="0" y="0"/>
+          <a:ext cx="0" cy="0"/>
+          <a:chOff x="0" y="0"/>
+          <a:chExt cx="0" cy="0"/>
+        </a:xfrm>
+      </p:grpSpPr>
+      <p:sp>
+        <p:nvSpPr>
+          <p:cNvPr id="2" name="タイトル 1">
+            <a:extLst>
+              <a:ext uri="{FF2B5EF4-FFF2-40B4-BE49-F238E27FC236}">
+                <a16:creationId xmlns:a16="http://schemas.microsoft.com/office/drawing/2014/main" id="{1872A04B-29C1-4010-BD02-4EF166FA3C0C}"/>
+              </a:ext>
+            </a:extLst>
+          </p:cNvPr>
+          <p:cNvSpPr>
+            <a:spLocks noGrp="1"/>
+          </p:cNvSpPr>
+          <p:nvPr>
+            <p:ph type="title"/>
+          </p:nvPr>
+        </p:nvSpPr>
+        <p:spPr/>
+        <p:txBody>
+          <a:bodyPr/>
+          <a:lstStyle/>
+          <a:p>
+            <a:r>
+              <a:rPr kumimoji="1" lang="ja-JP" altLang="en-US" dirty="0"/>
+              <a:t>スキル・資格</a:t>
+            </a:r>
+          </a:p>
+        </p:txBody>
+      </p:sp>
+      <p:sp>
+        <p:nvSpPr>
+          <p:cNvPr id="3" name="コンテンツ プレースホルダー 2">
+            <a:extLst>
+              <a:ext uri="{FF2B5EF4-FFF2-40B4-BE49-F238E27FC236}">
+                <a16:creationId xmlns:a16="http://schemas.microsoft.com/office/drawing/2014/main" id="{535B96F4-18AC-4700-9A9C-3E169190B418}"/>
+              </a:ext>
+            </a:extLst>
+          </p:cNvPr>
+          <p:cNvSpPr>
+            <a:spLocks noGrp="1"/>
+          </p:cNvSpPr>
+          <p:nvPr>
+            <p:ph idx="1"/>
+          </p:nvPr>
+        </p:nvSpPr>
+        <p:spPr/>
+        <p:txBody>
+          <a:bodyPr/>
+          <a:lstStyle/>
+          <a:p>
+            <a:r>
+              <a:rPr lang="en-US" altLang="ja-JP" dirty="0"/>
+              <a:t>Adobe Illustrator</a:t>
+            </a:r>
+          </a:p>
+          <a:p>
+            <a:r>
+              <a:rPr lang="ja-JP" altLang="en-US" dirty="0"/>
+              <a:t>人間工学準専門家</a:t>
+            </a:r>
+            <a:endParaRPr lang="en-US" altLang="ja-JP" dirty="0"/>
+          </a:p>
+          <a:p>
+            <a:r>
+              <a:rPr lang="ja-JP" altLang="en-US" dirty="0"/>
+              <a:t>基本情報処理技術者</a:t>
+            </a:r>
+          </a:p>
+          <a:p>
+            <a:endParaRPr kumimoji="1" lang="ja-JP" altLang="en-US" dirty="0"/>
+          </a:p>
+        </p:txBody>
+      </p:sp>
+    </p:spTree>
+    <p:extLst>
+      <p:ext uri="{BB962C8B-B14F-4D97-AF65-F5344CB8AC3E}">
+        <p14:creationId xmlns:p14="http://schemas.microsoft.com/office/powerpoint/2010/main" val="4165561398"/>
+      </p:ext>
+    </p:extLst>
+  </p:cSld>
+  <p:clrMapOvr>
+    <a:masterClrMapping/>
+  </p:clrMapOvr>
+</p:sld>
+</file>
+
+<file path=ppt/slides/slide14.xml><?xml version="1.0" encoding="utf-8"?>
+<p:sld xmlns:a="http://schemas.openxmlformats.org/drawingml/2006/main" xmlns:r="http://schemas.openxmlformats.org/officeDocument/2006/relationships" xmlns:p="http://schemas.openxmlformats.org/presentationml/2006/main">
+  <p:cSld>
+    <p:spTree>
+      <p:nvGrpSpPr>
+        <p:cNvPr id="1" name=""/>
+        <p:cNvGrpSpPr/>
+        <p:nvPr/>
+      </p:nvGrpSpPr>
+      <p:grpSpPr>
+        <a:xfrm>
+          <a:off x="0" y="0"/>
+          <a:ext cx="0" cy="0"/>
+          <a:chOff x="0" y="0"/>
+          <a:chExt cx="0" cy="0"/>
+        </a:xfrm>
+      </p:grpSpPr>
+      <p:sp>
+        <p:nvSpPr>
+          <p:cNvPr id="2" name="タイトル 1">
+            <a:extLst>
+              <a:ext uri="{FF2B5EF4-FFF2-40B4-BE49-F238E27FC236}">
+                <a16:creationId xmlns:a16="http://schemas.microsoft.com/office/drawing/2014/main" id="{0C4C9031-C6A3-4061-A365-32058622E6BD}"/>
+              </a:ext>
+            </a:extLst>
+          </p:cNvPr>
+          <p:cNvSpPr>
+            <a:spLocks noGrp="1"/>
+          </p:cNvSpPr>
+          <p:nvPr>
+            <p:ph type="title"/>
+          </p:nvPr>
+        </p:nvSpPr>
+        <p:spPr/>
+        <p:txBody>
+          <a:bodyPr/>
+          <a:lstStyle/>
+          <a:p>
+            <a:r>
+              <a:rPr kumimoji="1" lang="ja-JP" altLang="en-US" dirty="0"/>
+              <a:t>将来像</a:t>
+            </a:r>
+          </a:p>
+        </p:txBody>
+      </p:sp>
+      <p:sp>
+        <p:nvSpPr>
+          <p:cNvPr id="3" name="コンテンツ プレースホルダー 2">
+            <a:extLst>
+              <a:ext uri="{FF2B5EF4-FFF2-40B4-BE49-F238E27FC236}">
+                <a16:creationId xmlns:a16="http://schemas.microsoft.com/office/drawing/2014/main" id="{8A3628CE-BBC6-4E3E-B253-F501811DE5D9}"/>
+              </a:ext>
+            </a:extLst>
+          </p:cNvPr>
+          <p:cNvSpPr>
+            <a:spLocks noGrp="1"/>
+          </p:cNvSpPr>
+          <p:nvPr>
+            <p:ph idx="1"/>
+          </p:nvPr>
+        </p:nvSpPr>
+        <p:spPr/>
+        <p:txBody>
+          <a:bodyPr/>
+          <a:lstStyle/>
+          <a:p>
+            <a:endParaRPr kumimoji="1" lang="ja-JP" altLang="en-US" dirty="0"/>
+          </a:p>
+        </p:txBody>
+      </p:sp>
+    </p:spTree>
+    <p:extLst>
+      <p:ext uri="{BB962C8B-B14F-4D97-AF65-F5344CB8AC3E}">
+        <p14:creationId xmlns:p14="http://schemas.microsoft.com/office/powerpoint/2010/main" val="3691096097"/>
       </p:ext>
     </p:extLst>
   </p:cSld>
@@ -4610,10 +5195,9 @@
           <a:lstStyle/>
           <a:p>
             <a:r>
-              <a:rPr kumimoji="1" lang="ja-JP" altLang="en-US" dirty="0" smtClean="0"/>
+              <a:rPr kumimoji="1" lang="ja-JP" altLang="en-US" dirty="0"/>
               <a:t>自己紹介</a:t>
             </a:r>
-            <a:endParaRPr kumimoji="1" lang="ja-JP" altLang="en-US" dirty="0"/>
           </a:p>
         </p:txBody>
       </p:sp>
@@ -4641,61 +5225,49 @@
               <a:buNone/>
             </a:pPr>
             <a:r>
-              <a:rPr lang="ja-JP" altLang="en-US" sz="3600" dirty="0" smtClean="0"/>
+              <a:rPr lang="ja-JP" altLang="en-US" sz="3600" dirty="0"/>
               <a:t>長田 直也</a:t>
-            </a:r>
-            <a:r>
-              <a:rPr lang="en-US" altLang="ja-JP" dirty="0"/>
-              <a:t/>
             </a:r>
             <a:br>
               <a:rPr lang="en-US" altLang="ja-JP" dirty="0"/>
             </a:br>
             <a:r>
-              <a:rPr lang="en-US" altLang="ja-JP" dirty="0" smtClean="0"/>
+              <a:rPr lang="en-US" altLang="ja-JP" dirty="0"/>
               <a:t>Nagata </a:t>
             </a:r>
             <a:r>
-              <a:rPr lang="en-US" altLang="ja-JP" dirty="0" err="1" smtClean="0"/>
+              <a:rPr lang="en-US" altLang="ja-JP" dirty="0" err="1"/>
               <a:t>Naoya</a:t>
             </a:r>
-            <a:r>
-              <a:rPr lang="en-US" altLang="ja-JP" dirty="0" smtClean="0"/>
-              <a:t/>
-            </a:r>
             <a:br>
-              <a:rPr lang="en-US" altLang="ja-JP" dirty="0" smtClean="0"/>
+              <a:rPr lang="en-US" altLang="ja-JP" dirty="0"/>
             </a:br>
             <a:r>
-              <a:rPr kumimoji="1" lang="ja-JP" altLang="en-US" dirty="0" smtClean="0"/>
+              <a:rPr kumimoji="1" lang="ja-JP" altLang="en-US" dirty="0"/>
               <a:t>和歌山大学大学院</a:t>
             </a:r>
             <a:r>
-              <a:rPr lang="ja-JP" altLang="en-US" dirty="0" smtClean="0"/>
+              <a:rPr lang="ja-JP" altLang="en-US" dirty="0"/>
               <a:t>システム工学研究科</a:t>
             </a:r>
-            <a:r>
-              <a:rPr lang="en-US" altLang="ja-JP" dirty="0" smtClean="0"/>
-              <a:t/>
-            </a:r>
             <a:br>
-              <a:rPr lang="en-US" altLang="ja-JP" dirty="0" smtClean="0"/>
+              <a:rPr lang="en-US" altLang="ja-JP" dirty="0"/>
             </a:br>
             <a:r>
-              <a:rPr lang="ja-JP" altLang="en-US" dirty="0" smtClean="0"/>
+              <a:rPr lang="ja-JP" altLang="en-US" dirty="0"/>
               <a:t>ソフトウェアデザイン研究室</a:t>
             </a:r>
-            <a:endParaRPr lang="en-US" altLang="ja-JP" dirty="0" smtClean="0"/>
+            <a:endParaRPr lang="en-US" altLang="ja-JP" dirty="0"/>
           </a:p>
           <a:p>
             <a:pPr marL="0" indent="0">
               <a:buNone/>
             </a:pPr>
             <a:r>
-              <a:rPr lang="ja-JP" altLang="en-US" dirty="0" smtClean="0"/>
+              <a:rPr lang="ja-JP" altLang="en-US" dirty="0"/>
               <a:t>趣味：音楽鑑賞・野球観戦</a:t>
             </a:r>
-            <a:endParaRPr lang="en-US" altLang="ja-JP" dirty="0" smtClean="0"/>
+            <a:endParaRPr lang="en-US" altLang="ja-JP" dirty="0"/>
           </a:p>
         </p:txBody>
       </p:sp>
@@ -4745,10 +5317,9 @@
           <a:lstStyle/>
           <a:p>
             <a:r>
-              <a:rPr kumimoji="1" lang="ja-JP" altLang="en-US" dirty="0" smtClean="0"/>
+              <a:rPr kumimoji="1" lang="ja-JP" altLang="en-US" dirty="0"/>
               <a:t>経歴</a:t>
             </a:r>
-            <a:endParaRPr kumimoji="1" lang="ja-JP" altLang="en-US" dirty="0"/>
           </a:p>
         </p:txBody>
       </p:sp>
@@ -4771,28 +5342,28 @@
               <a:buNone/>
             </a:pPr>
             <a:r>
-              <a:rPr lang="ja-JP" altLang="en-US" dirty="0" smtClean="0"/>
+              <a:rPr lang="ja-JP" altLang="en-US" dirty="0"/>
               <a:t>和歌山県立那賀高等学校</a:t>
             </a:r>
-            <a:endParaRPr lang="en-US" altLang="ja-JP" dirty="0" smtClean="0"/>
+            <a:endParaRPr lang="en-US" altLang="ja-JP" dirty="0"/>
           </a:p>
           <a:p>
             <a:pPr marL="0" indent="0">
               <a:buNone/>
             </a:pPr>
             <a:r>
-              <a:rPr kumimoji="1" lang="ja-JP" altLang="en-US" dirty="0" smtClean="0"/>
-              <a:t>和歌山大学システム工学部</a:t>
-            </a:r>
-            <a:endParaRPr kumimoji="1" lang="en-US" altLang="ja-JP" dirty="0" smtClean="0"/>
+              <a:rPr kumimoji="1" lang="ja-JP" altLang="en-US" dirty="0"/>
+              <a:t>和歌山大学システム工学部デザイン情報学科</a:t>
+            </a:r>
+            <a:endParaRPr kumimoji="1" lang="en-US" altLang="ja-JP" dirty="0"/>
           </a:p>
           <a:p>
             <a:pPr marL="0" indent="0">
               <a:buNone/>
             </a:pPr>
             <a:r>
-              <a:rPr lang="ja-JP" altLang="en-US" dirty="0" smtClean="0"/>
-              <a:t>和歌山大学大学院システム工学研究科</a:t>
+              <a:rPr lang="ja-JP" altLang="en-US" dirty="0"/>
+              <a:t>和歌山大学大学院システム工学研究科システム工学専攻デザイン科学クラスタソフトウェアデザイン研究室</a:t>
             </a:r>
             <a:endParaRPr kumimoji="1" lang="ja-JP" altLang="en-US" dirty="0"/>
           </a:p>
@@ -4844,10 +5415,9 @@
           <a:lstStyle/>
           <a:p>
             <a:r>
-              <a:rPr kumimoji="1" lang="ja-JP" altLang="en-US" dirty="0" smtClean="0"/>
+              <a:rPr kumimoji="1" lang="ja-JP" altLang="en-US" dirty="0"/>
               <a:t>学部時代</a:t>
             </a:r>
-            <a:endParaRPr kumimoji="1" lang="ja-JP" altLang="en-US" dirty="0"/>
           </a:p>
         </p:txBody>
       </p:sp>
@@ -4867,55 +5437,55 @@
           <a:lstStyle/>
           <a:p>
             <a:r>
-              <a:rPr kumimoji="1" lang="ja-JP" altLang="en-US" dirty="0" smtClean="0"/>
+              <a:rPr kumimoji="1" lang="ja-JP" altLang="en-US" dirty="0"/>
               <a:t>デザイン情報学科に</a:t>
             </a:r>
             <a:r>
-              <a:rPr lang="ja-JP" altLang="en-US" dirty="0" smtClean="0"/>
+              <a:rPr lang="ja-JP" altLang="en-US" dirty="0"/>
               <a:t>所属</a:t>
             </a:r>
-            <a:endParaRPr lang="en-US" altLang="ja-JP" dirty="0" smtClean="0"/>
-          </a:p>
-          <a:p>
-            <a:r>
-              <a:rPr kumimoji="1" lang="ja-JP" altLang="en-US" dirty="0" smtClean="0"/>
+            <a:endParaRPr lang="en-US" altLang="ja-JP" dirty="0"/>
+          </a:p>
+          <a:p>
+            <a:r>
+              <a:rPr kumimoji="1" lang="ja-JP" altLang="en-US" dirty="0"/>
               <a:t>デザイン</a:t>
             </a:r>
             <a:r>
-              <a:rPr kumimoji="1" lang="en-US" altLang="ja-JP" dirty="0" smtClean="0"/>
+              <a:rPr kumimoji="1" lang="en-US" altLang="ja-JP" dirty="0"/>
               <a:t>+</a:t>
             </a:r>
             <a:r>
-              <a:rPr kumimoji="1" lang="ja-JP" altLang="en-US" dirty="0" smtClean="0"/>
+              <a:rPr kumimoji="1" lang="ja-JP" altLang="en-US" dirty="0"/>
               <a:t>情報技術</a:t>
             </a:r>
-            <a:endParaRPr kumimoji="1" lang="en-US" altLang="ja-JP" dirty="0" smtClean="0"/>
-          </a:p>
-          <a:p>
-            <a:r>
-              <a:rPr lang="ja-JP" altLang="en-US" dirty="0" smtClean="0"/>
-              <a:t>卒論：</a:t>
+            <a:endParaRPr kumimoji="1" lang="en-US" altLang="ja-JP" dirty="0"/>
+          </a:p>
+          <a:p>
+            <a:r>
+              <a:rPr kumimoji="1" lang="ja-JP" altLang="en-US" dirty="0"/>
+              <a:t>野球サークルに所属</a:t>
+            </a:r>
+            <a:endParaRPr kumimoji="1" lang="en-US" altLang="ja-JP" dirty="0"/>
+          </a:p>
+          <a:p>
+            <a:r>
+              <a:rPr lang="zh-TW" altLang="en-US" dirty="0"/>
+              <a:t>成績優秀者賞受賞</a:t>
             </a:r>
             <a:r>
               <a:rPr lang="ja-JP" altLang="en-US" dirty="0"/>
-              <a:t>「気が利く」情報提供のための多様なデバイス</a:t>
-            </a:r>
-            <a:r>
-              <a:rPr lang="ja-JP" altLang="en-US" dirty="0" smtClean="0"/>
-              <a:t>を組み合わせる</a:t>
+              <a:t>（学科上位</a:t>
+            </a:r>
+            <a:r>
+              <a:rPr lang="en-US" altLang="ja-JP" dirty="0"/>
+              <a:t>10%</a:t>
             </a:r>
             <a:r>
               <a:rPr lang="ja-JP" altLang="en-US" dirty="0"/>
-              <a:t>システムアーキテクチャの提案</a:t>
-            </a:r>
-            <a:endParaRPr kumimoji="1" lang="en-US" altLang="ja-JP" dirty="0" smtClean="0"/>
-          </a:p>
-          <a:p>
-            <a:r>
-              <a:rPr kumimoji="1" lang="ja-JP" altLang="en-US" dirty="0" smtClean="0"/>
-              <a:t>野球サークルに所属</a:t>
-            </a:r>
-            <a:endParaRPr kumimoji="1" lang="en-US" altLang="ja-JP" dirty="0" smtClean="0"/>
+              <a:t>）</a:t>
+            </a:r>
+            <a:endParaRPr kumimoji="1" lang="en-US" altLang="ja-JP" dirty="0"/>
           </a:p>
           <a:p>
             <a:endParaRPr kumimoji="1" lang="ja-JP" altLang="en-US" dirty="0"/>
@@ -4954,6 +5524,107 @@
       </p:grpSpPr>
       <p:sp>
         <p:nvSpPr>
+          <p:cNvPr id="2" name="タイトル 1">
+            <a:extLst>
+              <a:ext uri="{FF2B5EF4-FFF2-40B4-BE49-F238E27FC236}">
+                <a16:creationId xmlns:a16="http://schemas.microsoft.com/office/drawing/2014/main" id="{159418E1-A939-4A87-8BFA-4B188C82484A}"/>
+              </a:ext>
+            </a:extLst>
+          </p:cNvPr>
+          <p:cNvSpPr>
+            <a:spLocks noGrp="1"/>
+          </p:cNvSpPr>
+          <p:nvPr>
+            <p:ph type="title"/>
+          </p:nvPr>
+        </p:nvSpPr>
+        <p:spPr/>
+        <p:txBody>
+          <a:bodyPr/>
+          <a:lstStyle/>
+          <a:p>
+            <a:r>
+              <a:rPr kumimoji="1" lang="ja-JP" altLang="en-US" dirty="0"/>
+              <a:t>卒論</a:t>
+            </a:r>
+          </a:p>
+        </p:txBody>
+      </p:sp>
+      <p:sp>
+        <p:nvSpPr>
+          <p:cNvPr id="3" name="コンテンツ プレースホルダー 2">
+            <a:extLst>
+              <a:ext uri="{FF2B5EF4-FFF2-40B4-BE49-F238E27FC236}">
+                <a16:creationId xmlns:a16="http://schemas.microsoft.com/office/drawing/2014/main" id="{8CFF32CD-39F0-4E76-A38F-C0A6E2748EBA}"/>
+              </a:ext>
+            </a:extLst>
+          </p:cNvPr>
+          <p:cNvSpPr>
+            <a:spLocks noGrp="1"/>
+          </p:cNvSpPr>
+          <p:nvPr>
+            <p:ph idx="1"/>
+          </p:nvPr>
+        </p:nvSpPr>
+        <p:spPr/>
+        <p:txBody>
+          <a:bodyPr/>
+          <a:lstStyle/>
+          <a:p>
+            <a:r>
+              <a:rPr lang="ja-JP" altLang="en-US" dirty="0"/>
+              <a:t>卒論：「気が利く」情報提供のための多様なデバイスを組み合わせるシステムアーキテクチャの提案</a:t>
+            </a:r>
+            <a:endParaRPr lang="en-US" altLang="ja-JP" dirty="0"/>
+          </a:p>
+          <a:p>
+            <a:r>
+              <a:rPr kumimoji="1" lang="ja-JP" altLang="en-US" dirty="0"/>
+              <a:t>人間の予期とはどのようなものか</a:t>
+            </a:r>
+            <a:endParaRPr lang="en-US" altLang="ja-JP" dirty="0"/>
+          </a:p>
+          <a:p>
+            <a:r>
+              <a:rPr kumimoji="1" lang="ja-JP" altLang="en-US" dirty="0"/>
+              <a:t>各種デバイス・センサから取得したデータがどのようなものであるか</a:t>
+            </a:r>
+            <a:endParaRPr kumimoji="1" lang="en-US" altLang="ja-JP" dirty="0"/>
+          </a:p>
+        </p:txBody>
+      </p:sp>
+    </p:spTree>
+    <p:extLst>
+      <p:ext uri="{BB962C8B-B14F-4D97-AF65-F5344CB8AC3E}">
+        <p14:creationId xmlns:p14="http://schemas.microsoft.com/office/powerpoint/2010/main" val="487521841"/>
+      </p:ext>
+    </p:extLst>
+  </p:cSld>
+  <p:clrMapOvr>
+    <a:masterClrMapping/>
+  </p:clrMapOvr>
+</p:sld>
+</file>
+
+<file path=ppt/slides/slide6.xml><?xml version="1.0" encoding="utf-8"?>
+<p:sld xmlns:a="http://schemas.openxmlformats.org/drawingml/2006/main" xmlns:r="http://schemas.openxmlformats.org/officeDocument/2006/relationships" xmlns:p="http://schemas.openxmlformats.org/presentationml/2006/main">
+  <p:cSld>
+    <p:spTree>
+      <p:nvGrpSpPr>
+        <p:cNvPr id="1" name=""/>
+        <p:cNvGrpSpPr/>
+        <p:nvPr/>
+      </p:nvGrpSpPr>
+      <p:grpSpPr>
+        <a:xfrm>
+          <a:off x="0" y="0"/>
+          <a:ext cx="0" cy="0"/>
+          <a:chOff x="0" y="0"/>
+          <a:chExt cx="0" cy="0"/>
+        </a:xfrm>
+      </p:grpSpPr>
+      <p:sp>
+        <p:nvSpPr>
           <p:cNvPr id="2" name="タイトル 1"/>
           <p:cNvSpPr>
             <a:spLocks noGrp="1"/>
@@ -4968,32 +5639,65 @@
           <a:lstStyle/>
           <a:p>
             <a:r>
-              <a:rPr kumimoji="1" lang="ja-JP" altLang="en-US" dirty="0" smtClean="0"/>
+              <a:rPr kumimoji="1" lang="ja-JP" altLang="en-US" dirty="0"/>
               <a:t>大学院</a:t>
             </a:r>
+          </a:p>
+        </p:txBody>
+      </p:sp>
+      <p:sp>
+        <p:nvSpPr>
+          <p:cNvPr id="3" name="コンテンツ プレースホルダー 2"/>
+          <p:cNvSpPr>
+            <a:spLocks noGrp="1"/>
+          </p:cNvSpPr>
+          <p:nvPr>
+            <p:ph idx="1"/>
+          </p:nvPr>
+        </p:nvSpPr>
+        <p:spPr/>
+        <p:txBody>
+          <a:bodyPr/>
+          <a:lstStyle/>
+          <a:p>
+            <a:pPr marL="0" indent="0">
+              <a:buNone/>
+            </a:pPr>
+            <a:r>
+              <a:rPr kumimoji="1" lang="en-US" altLang="ja-JP" dirty="0" err="1"/>
+              <a:t>GotAPI</a:t>
+            </a:r>
+            <a:r>
+              <a:rPr kumimoji="1" lang="ja-JP" altLang="en-US" dirty="0"/>
+              <a:t>を用いた気が利くシステムのためのアーキテクチャの構築手法の提案</a:t>
+            </a:r>
+            <a:endParaRPr kumimoji="1" lang="en-US" altLang="ja-JP" dirty="0"/>
+          </a:p>
+          <a:p>
+            <a:pPr marL="0" indent="0">
+              <a:buNone/>
+            </a:pPr>
+            <a:endParaRPr lang="en-US" altLang="ja-JP" dirty="0"/>
+          </a:p>
+          <a:p>
+            <a:pPr marL="0" indent="0">
+              <a:buNone/>
+            </a:pPr>
+            <a:r>
+              <a:rPr kumimoji="1" lang="en-US" altLang="ja-JP" dirty="0" err="1"/>
+              <a:t>GotAPI</a:t>
+            </a:r>
+            <a:r>
+              <a:rPr kumimoji="1" lang="ja-JP" altLang="en-US" dirty="0"/>
+              <a:t>と呼ばれる外部デバイスを統一的に扱うことができるフレームワークを用いた，気が利くシステムのアーキテクチャを構築する</a:t>
+            </a:r>
+            <a:endParaRPr kumimoji="1" lang="en-US" altLang="ja-JP" dirty="0"/>
+          </a:p>
+          <a:p>
+            <a:pPr marL="0" indent="0">
+              <a:buNone/>
+            </a:pPr>
             <a:endParaRPr kumimoji="1" lang="ja-JP" altLang="en-US" dirty="0"/>
-          </a:p>
-        </p:txBody>
-      </p:sp>
-      <p:sp>
-        <p:nvSpPr>
-          <p:cNvPr id="3" name="コンテンツ プレースホルダー 2"/>
-          <p:cNvSpPr>
-            <a:spLocks noGrp="1"/>
-          </p:cNvSpPr>
-          <p:nvPr>
-            <p:ph idx="1"/>
-          </p:nvPr>
-        </p:nvSpPr>
-        <p:spPr/>
-        <p:txBody>
-          <a:bodyPr/>
-          <a:lstStyle/>
-          <a:p>
-            <a:pPr marL="0" indent="0">
-              <a:buNone/>
-            </a:pPr>
-            <a:endParaRPr kumimoji="1" lang="ja-JP" altLang="en-US"/>
           </a:p>
         </p:txBody>
       </p:sp>
@@ -5001,6 +5705,235 @@
     <p:extLst>
       <p:ext uri="{BB962C8B-B14F-4D97-AF65-F5344CB8AC3E}">
         <p14:creationId xmlns:p14="http://schemas.microsoft.com/office/powerpoint/2010/main" val="4025605433"/>
+      </p:ext>
+    </p:extLst>
+  </p:cSld>
+  <p:clrMapOvr>
+    <a:masterClrMapping/>
+  </p:clrMapOvr>
+</p:sld>
+</file>
+
+<file path=ppt/slides/slide7.xml><?xml version="1.0" encoding="utf-8"?>
+<p:sld xmlns:a="http://schemas.openxmlformats.org/drawingml/2006/main" xmlns:r="http://schemas.openxmlformats.org/officeDocument/2006/relationships" xmlns:p="http://schemas.openxmlformats.org/presentationml/2006/main">
+  <p:cSld>
+    <p:spTree>
+      <p:nvGrpSpPr>
+        <p:cNvPr id="1" name=""/>
+        <p:cNvGrpSpPr/>
+        <p:nvPr/>
+      </p:nvGrpSpPr>
+      <p:grpSpPr>
+        <a:xfrm>
+          <a:off x="0" y="0"/>
+          <a:ext cx="0" cy="0"/>
+          <a:chOff x="0" y="0"/>
+          <a:chExt cx="0" cy="0"/>
+        </a:xfrm>
+      </p:grpSpPr>
+      <p:sp>
+        <p:nvSpPr>
+          <p:cNvPr id="4" name="タイトル 3">
+            <a:extLst>
+              <a:ext uri="{FF2B5EF4-FFF2-40B4-BE49-F238E27FC236}">
+                <a16:creationId xmlns:a16="http://schemas.microsoft.com/office/drawing/2014/main" id="{47855129-01A0-4EBF-B035-8C77955125E9}"/>
+              </a:ext>
+            </a:extLst>
+          </p:cNvPr>
+          <p:cNvSpPr>
+            <a:spLocks noGrp="1"/>
+          </p:cNvSpPr>
+          <p:nvPr>
+            <p:ph type="title"/>
+          </p:nvPr>
+        </p:nvSpPr>
+        <p:spPr/>
+        <p:txBody>
+          <a:bodyPr/>
+          <a:lstStyle/>
+          <a:p>
+            <a:r>
+              <a:rPr kumimoji="1" lang="ja-JP" altLang="en-US" dirty="0"/>
+              <a:t>デザイン情報学科</a:t>
+            </a:r>
+            <a:r>
+              <a:rPr lang="ja-JP" altLang="en-US" dirty="0"/>
+              <a:t>ならではのスキル</a:t>
+            </a:r>
+            <a:endParaRPr kumimoji="1" lang="ja-JP" altLang="en-US" dirty="0"/>
+          </a:p>
+        </p:txBody>
+      </p:sp>
+    </p:spTree>
+    <p:extLst>
+      <p:ext uri="{BB962C8B-B14F-4D97-AF65-F5344CB8AC3E}">
+        <p14:creationId xmlns:p14="http://schemas.microsoft.com/office/powerpoint/2010/main" val="3676945862"/>
+      </p:ext>
+    </p:extLst>
+  </p:cSld>
+  <p:clrMapOvr>
+    <a:masterClrMapping/>
+  </p:clrMapOvr>
+</p:sld>
+</file>
+
+<file path=ppt/slides/slide8.xml><?xml version="1.0" encoding="utf-8"?>
+<p:sld xmlns:a="http://schemas.openxmlformats.org/drawingml/2006/main" xmlns:r="http://schemas.openxmlformats.org/officeDocument/2006/relationships" xmlns:p="http://schemas.openxmlformats.org/presentationml/2006/main">
+  <p:cSld>
+    <p:spTree>
+      <p:nvGrpSpPr>
+        <p:cNvPr id="1" name=""/>
+        <p:cNvGrpSpPr/>
+        <p:nvPr/>
+      </p:nvGrpSpPr>
+      <p:grpSpPr>
+        <a:xfrm>
+          <a:off x="0" y="0"/>
+          <a:ext cx="0" cy="0"/>
+          <a:chOff x="0" y="0"/>
+          <a:chExt cx="0" cy="0"/>
+        </a:xfrm>
+      </p:grpSpPr>
+      <p:sp>
+        <p:nvSpPr>
+          <p:cNvPr id="5" name="タイトル 4">
+            <a:extLst>
+              <a:ext uri="{FF2B5EF4-FFF2-40B4-BE49-F238E27FC236}">
+                <a16:creationId xmlns:a16="http://schemas.microsoft.com/office/drawing/2014/main" id="{38CD0D08-9CDA-4DA2-A9D0-641AE496AC2B}"/>
+              </a:ext>
+            </a:extLst>
+          </p:cNvPr>
+          <p:cNvSpPr>
+            <a:spLocks noGrp="1"/>
+          </p:cNvSpPr>
+          <p:nvPr>
+            <p:ph type="title"/>
+          </p:nvPr>
+        </p:nvSpPr>
+        <p:spPr/>
+        <p:txBody>
+          <a:bodyPr/>
+          <a:lstStyle/>
+          <a:p>
+            <a:endParaRPr kumimoji="1" lang="ja-JP" altLang="en-US" dirty="0"/>
+          </a:p>
+        </p:txBody>
+      </p:sp>
+      <p:sp>
+        <p:nvSpPr>
+          <p:cNvPr id="6" name="コンテンツ プレースホルダー 5">
+            <a:extLst>
+              <a:ext uri="{FF2B5EF4-FFF2-40B4-BE49-F238E27FC236}">
+                <a16:creationId xmlns:a16="http://schemas.microsoft.com/office/drawing/2014/main" id="{3BB8AE66-4884-4ED6-B052-FCCD43032B2E}"/>
+              </a:ext>
+            </a:extLst>
+          </p:cNvPr>
+          <p:cNvSpPr>
+            <a:spLocks noGrp="1"/>
+          </p:cNvSpPr>
+          <p:nvPr>
+            <p:ph idx="1"/>
+          </p:nvPr>
+        </p:nvSpPr>
+        <p:spPr/>
+        <p:txBody>
+          <a:bodyPr/>
+          <a:lstStyle/>
+          <a:p>
+            <a:r>
+              <a:rPr lang="ja-JP" altLang="en-US" dirty="0"/>
+              <a:t>なぜこのようなデザインにしたのか？</a:t>
+            </a:r>
+            <a:endParaRPr lang="en-US" altLang="ja-JP" dirty="0"/>
+          </a:p>
+          <a:p>
+            <a:r>
+              <a:rPr lang="ja-JP" altLang="en-US" dirty="0"/>
+              <a:t>相手に納得してもらえるような理由付け</a:t>
+            </a:r>
+            <a:endParaRPr lang="en-US" altLang="ja-JP" dirty="0"/>
+          </a:p>
+          <a:p>
+            <a:r>
+              <a:rPr lang="ja-JP" altLang="en-US" dirty="0"/>
+              <a:t>要求にあったものづくり</a:t>
+            </a:r>
+            <a:endParaRPr lang="en-US" altLang="ja-JP" dirty="0"/>
+          </a:p>
+          <a:p>
+            <a:r>
+              <a:rPr lang="ja-JP" altLang="en-US" dirty="0"/>
+              <a:t>実際に要求分析からプロダクトの作成まで行った</a:t>
+            </a:r>
+            <a:endParaRPr lang="en-US" altLang="ja-JP" dirty="0"/>
+          </a:p>
+          <a:p>
+            <a:endParaRPr lang="en-US" altLang="ja-JP" dirty="0"/>
+          </a:p>
+        </p:txBody>
+      </p:sp>
+    </p:spTree>
+    <p:extLst>
+      <p:ext uri="{BB962C8B-B14F-4D97-AF65-F5344CB8AC3E}">
+        <p14:creationId xmlns:p14="http://schemas.microsoft.com/office/powerpoint/2010/main" val="1794024785"/>
+      </p:ext>
+    </p:extLst>
+  </p:cSld>
+  <p:clrMapOvr>
+    <a:masterClrMapping/>
+  </p:clrMapOvr>
+</p:sld>
+</file>
+
+<file path=ppt/slides/slide9.xml><?xml version="1.0" encoding="utf-8"?>
+<p:sld xmlns:a="http://schemas.openxmlformats.org/drawingml/2006/main" xmlns:r="http://schemas.openxmlformats.org/officeDocument/2006/relationships" xmlns:p="http://schemas.openxmlformats.org/presentationml/2006/main">
+  <p:cSld>
+    <p:spTree>
+      <p:nvGrpSpPr>
+        <p:cNvPr id="1" name=""/>
+        <p:cNvGrpSpPr/>
+        <p:nvPr/>
+      </p:nvGrpSpPr>
+      <p:grpSpPr>
+        <a:xfrm>
+          <a:off x="0" y="0"/>
+          <a:ext cx="0" cy="0"/>
+          <a:chOff x="0" y="0"/>
+          <a:chExt cx="0" cy="0"/>
+        </a:xfrm>
+      </p:grpSpPr>
+      <p:sp>
+        <p:nvSpPr>
+          <p:cNvPr id="2" name="タイトル 1">
+            <a:extLst>
+              <a:ext uri="{FF2B5EF4-FFF2-40B4-BE49-F238E27FC236}">
+                <a16:creationId xmlns:a16="http://schemas.microsoft.com/office/drawing/2014/main" id="{9E2CD629-AF54-4937-8BAC-A5BD37C35745}"/>
+              </a:ext>
+            </a:extLst>
+          </p:cNvPr>
+          <p:cNvSpPr>
+            <a:spLocks noGrp="1"/>
+          </p:cNvSpPr>
+          <p:nvPr>
+            <p:ph type="title"/>
+          </p:nvPr>
+        </p:nvSpPr>
+        <p:spPr/>
+        <p:txBody>
+          <a:bodyPr/>
+          <a:lstStyle/>
+          <a:p>
+            <a:r>
+              <a:rPr kumimoji="1" lang="ja-JP" altLang="en-US" dirty="0"/>
+              <a:t>デザインは自分の考えを伝える手法</a:t>
+            </a:r>
+          </a:p>
+        </p:txBody>
+      </p:sp>
+    </p:spTree>
+    <p:extLst>
+      <p:ext uri="{BB962C8B-B14F-4D97-AF65-F5344CB8AC3E}">
+        <p14:creationId xmlns:p14="http://schemas.microsoft.com/office/powerpoint/2010/main" val="1832143557"/>
       </p:ext>
     </p:extLst>
   </p:cSld>
